--- a/Outputs/BAME walkthrough.pptx
+++ b/Outputs/BAME walkthrough.pptx
@@ -5,10 +5,11 @@
     <p:sldMasterId id="2147483648" r:id="rId1"/>
   </p:sldMasterIdLst>
   <p:notesMasterIdLst>
-    <p:notesMasterId r:id="rId3"/>
+    <p:notesMasterId r:id="rId4"/>
   </p:notesMasterIdLst>
   <p:sldIdLst>
     <p:sldId id="256" r:id="rId2"/>
+    <p:sldId id="257" r:id="rId3"/>
   </p:sldIdLst>
   <p:sldSz cx="12192000" cy="6858000"/>
   <p:notesSz cx="6858000" cy="9144000"/>
@@ -4138,7 +4139,7 @@
         </p:nvSpPr>
         <p:spPr>
           <a:xfrm>
-            <a:off x="4310532" y="5584364"/>
+            <a:off x="3782587" y="5562549"/>
             <a:ext cx="860080" cy="860080"/>
           </a:xfrm>
           <a:prstGeom prst="ellipse">
@@ -7211,8 +7212,8 @@
         </p:nvCxnSpPr>
         <p:spPr>
           <a:xfrm flipV="1">
-            <a:off x="691017" y="4426112"/>
-            <a:ext cx="8591376" cy="29419"/>
+            <a:off x="602055" y="4425901"/>
+            <a:ext cx="8781312" cy="30070"/>
           </a:xfrm>
           <a:prstGeom prst="line">
             <a:avLst/>
@@ -8045,8 +8046,8 @@
         </p:nvSpPr>
         <p:spPr>
           <a:xfrm>
-            <a:off x="9662846" y="6093997"/>
-            <a:ext cx="1128835" cy="338554"/>
+            <a:off x="7454692" y="6065032"/>
+            <a:ext cx="816249" cy="461665"/>
           </a:xfrm>
           <a:prstGeom prst="rect">
             <a:avLst/>
@@ -8065,7 +8066,17 @@
                 <a:ea typeface="Verdana" panose="020B0604030504040204" pitchFamily="34" charset="0"/>
                 <a:cs typeface="Verdana" panose="020B0604030504040204" pitchFamily="34" charset="0"/>
               </a:rPr>
-              <a:t>NHS Health Check</a:t>
+              <a:t>NHS Health </a:t>
+            </a:r>
+          </a:p>
+          <a:p>
+            <a:r>
+              <a:rPr lang="en-US" sz="800" dirty="0">
+                <a:latin typeface="Verdana" panose="020B0604030504040204" pitchFamily="34" charset="0"/>
+                <a:ea typeface="Verdana" panose="020B0604030504040204" pitchFamily="34" charset="0"/>
+                <a:cs typeface="Verdana" panose="020B0604030504040204" pitchFamily="34" charset="0"/>
+              </a:rPr>
+              <a:t>Check</a:t>
             </a:r>
           </a:p>
           <a:p>
@@ -8474,7 +8485,7 @@
         </p:nvSpPr>
         <p:spPr>
           <a:xfrm>
-            <a:off x="10691824" y="6093997"/>
+            <a:off x="9611009" y="6070029"/>
             <a:ext cx="1059906" cy="338554"/>
           </a:xfrm>
           <a:prstGeom prst="rect">
@@ -8585,7 +8596,7 @@
         </p:nvSpPr>
         <p:spPr>
           <a:xfrm>
-            <a:off x="11188406" y="5396744"/>
+            <a:off x="10158009" y="5402654"/>
             <a:ext cx="134736" cy="134736"/>
           </a:xfrm>
           <a:prstGeom prst="ellipse">
@@ -8769,7 +8780,7 @@
         </p:nvSpPr>
         <p:spPr>
           <a:xfrm>
-            <a:off x="6298509" y="4457294"/>
+            <a:off x="7300373" y="4432658"/>
             <a:ext cx="728084" cy="338554"/>
           </a:xfrm>
           <a:prstGeom prst="rect">
@@ -8880,8 +8891,8 @@
         </p:nvSpPr>
         <p:spPr>
           <a:xfrm>
-            <a:off x="8486195" y="6096825"/>
-            <a:ext cx="1241045" cy="338554"/>
+            <a:off x="6269727" y="6076618"/>
+            <a:ext cx="923651" cy="461665"/>
           </a:xfrm>
           <a:prstGeom prst="rect">
             <a:avLst/>
@@ -8900,7 +8911,17 @@
                 <a:ea typeface="Verdana" panose="020B0604030504040204" pitchFamily="34" charset="0"/>
                 <a:cs typeface="Verdana" panose="020B0604030504040204" pitchFamily="34" charset="0"/>
               </a:rPr>
-              <a:t>% reporting positive</a:t>
+              <a:t>% reporting </a:t>
+            </a:r>
+          </a:p>
+          <a:p>
+            <a:r>
+              <a:rPr lang="en-US" sz="800" dirty="0">
+                <a:latin typeface="Verdana" panose="020B0604030504040204" pitchFamily="34" charset="0"/>
+                <a:ea typeface="Verdana" panose="020B0604030504040204" pitchFamily="34" charset="0"/>
+                <a:cs typeface="Verdana" panose="020B0604030504040204" pitchFamily="34" charset="0"/>
+              </a:rPr>
+              <a:t>positive</a:t>
             </a:r>
           </a:p>
           <a:p>
@@ -8929,7 +8950,7 @@
         </p:nvSpPr>
         <p:spPr>
           <a:xfrm>
-            <a:off x="8553849" y="5563156"/>
+            <a:off x="8618590" y="5562549"/>
             <a:ext cx="433635" cy="433635"/>
           </a:xfrm>
           <a:prstGeom prst="ellipse">
@@ -8993,8 +9014,8 @@
         </p:nvCxnSpPr>
         <p:spPr>
           <a:xfrm flipV="1">
-            <a:off x="5280205" y="6054761"/>
-            <a:ext cx="6265599" cy="21453"/>
+            <a:off x="4843849" y="6054762"/>
+            <a:ext cx="6701955" cy="22946"/>
           </a:xfrm>
           <a:prstGeom prst="line">
             <a:avLst/>
@@ -9035,8 +9056,8 @@
         </p:nvSpPr>
         <p:spPr>
           <a:xfrm>
-            <a:off x="7435755" y="6102813"/>
-            <a:ext cx="1095172" cy="338554"/>
+            <a:off x="4950777" y="6087723"/>
+            <a:ext cx="1202573" cy="461665"/>
           </a:xfrm>
           <a:prstGeom prst="rect">
             <a:avLst/>
@@ -9055,7 +9076,7 @@
                 <a:ea typeface="Verdana" panose="020B0604030504040204" pitchFamily="34" charset="0"/>
                 <a:cs typeface="Verdana" panose="020B0604030504040204" pitchFamily="34" charset="0"/>
               </a:rPr>
-              <a:t>Average patient </a:t>
+              <a:t>Average hospital </a:t>
             </a:r>
           </a:p>
           <a:p>
@@ -9065,7 +9086,17 @@
                 <a:ea typeface="Verdana" panose="020B0604030504040204" pitchFamily="34" charset="0"/>
                 <a:cs typeface="Verdana" panose="020B0604030504040204" pitchFamily="34" charset="0"/>
               </a:rPr>
-              <a:t>Satisfaction score</a:t>
+              <a:t>patient satisfaction </a:t>
+            </a:r>
+          </a:p>
+          <a:p>
+            <a:r>
+              <a:rPr lang="en-US" sz="800" dirty="0">
+                <a:latin typeface="Verdana" panose="020B0604030504040204" pitchFamily="34" charset="0"/>
+                <a:ea typeface="Verdana" panose="020B0604030504040204" pitchFamily="34" charset="0"/>
+                <a:cs typeface="Verdana" panose="020B0604030504040204" pitchFamily="34" charset="0"/>
+              </a:rPr>
+              <a:t>score</a:t>
             </a:r>
           </a:p>
         </p:txBody>
@@ -9084,7 +9115,7 @@
         </p:nvSpPr>
         <p:spPr>
           <a:xfrm>
-            <a:off x="7503409" y="5569144"/>
+            <a:off x="7512807" y="5524238"/>
             <a:ext cx="433635" cy="433635"/>
           </a:xfrm>
           <a:prstGeom prst="ellipse">
@@ -9146,7 +9177,7 @@
         </p:nvSpPr>
         <p:spPr>
           <a:xfrm>
-            <a:off x="7298143" y="4455704"/>
+            <a:off x="8300007" y="4431068"/>
             <a:ext cx="968535" cy="338554"/>
           </a:xfrm>
           <a:prstGeom prst="rect">
@@ -9257,7 +9288,7 @@
         </p:nvSpPr>
         <p:spPr>
           <a:xfrm>
-            <a:off x="8317235" y="4441534"/>
+            <a:off x="10502059" y="4415276"/>
             <a:ext cx="1082348" cy="461665"/>
           </a:xfrm>
           <a:prstGeom prst="rect">
@@ -9378,7 +9409,7 @@
         </p:nvSpPr>
         <p:spPr>
           <a:xfrm>
-            <a:off x="10562167" y="4420362"/>
+            <a:off x="10677812" y="6084075"/>
             <a:ext cx="1082348" cy="338554"/>
           </a:xfrm>
           <a:prstGeom prst="rect">
@@ -9489,7 +9520,7 @@
         </p:nvSpPr>
         <p:spPr>
           <a:xfrm>
-            <a:off x="6549701" y="5567358"/>
+            <a:off x="6311131" y="5549671"/>
             <a:ext cx="433635" cy="433635"/>
           </a:xfrm>
           <a:prstGeom prst="ellipse">
@@ -9551,7 +9582,7 @@
         </p:nvSpPr>
         <p:spPr>
           <a:xfrm>
-            <a:off x="5499261" y="5573346"/>
+            <a:off x="5302197" y="5574052"/>
             <a:ext cx="433635" cy="433635"/>
           </a:xfrm>
           <a:prstGeom prst="ellipse">
@@ -9601,192 +9632,6 @@
       </p:sp>
       <p:sp>
         <p:nvSpPr>
-          <p:cNvPr id="164" name="Oval 163">
-            <a:extLst>
-              <a:ext uri="{FF2B5EF4-FFF2-40B4-BE49-F238E27FC236}">
-                <a16:creationId xmlns:a16="http://schemas.microsoft.com/office/drawing/2014/main" id="{7B215B47-3CFE-CA4D-AFC1-C614C8FB79EA}"/>
-              </a:ext>
-            </a:extLst>
-          </p:cNvPr>
-          <p:cNvSpPr/>
-          <p:nvPr/>
-        </p:nvSpPr>
-        <p:spPr>
-          <a:xfrm>
-            <a:off x="3035382" y="5540005"/>
-            <a:ext cx="433635" cy="433635"/>
-          </a:xfrm>
-          <a:prstGeom prst="ellipse">
-            <a:avLst/>
-          </a:prstGeom>
-          <a:solidFill>
-            <a:schemeClr val="bg1">
-              <a:lumMod val="85000"/>
-            </a:schemeClr>
-          </a:solidFill>
-          <a:ln>
-            <a:solidFill>
-              <a:schemeClr val="bg1">
-                <a:lumMod val="85000"/>
-              </a:schemeClr>
-            </a:solidFill>
-          </a:ln>
-        </p:spPr>
-        <p:style>
-          <a:lnRef idx="2">
-            <a:schemeClr val="accent1">
-              <a:shade val="50000"/>
-            </a:schemeClr>
-          </a:lnRef>
-          <a:fillRef idx="1">
-            <a:schemeClr val="accent1"/>
-          </a:fillRef>
-          <a:effectRef idx="0">
-            <a:schemeClr val="accent1"/>
-          </a:effectRef>
-          <a:fontRef idx="minor">
-            <a:schemeClr val="lt1"/>
-          </a:fontRef>
-        </p:style>
-        <p:txBody>
-          <a:bodyPr rtlCol="0" anchor="ctr"/>
-          <a:lstStyle/>
-          <a:p>
-            <a:pPr algn="ctr"/>
-            <a:endParaRPr lang="en-US" sz="800">
-              <a:latin typeface="Verdana" panose="020B0604030504040204" pitchFamily="34" charset="0"/>
-              <a:ea typeface="Verdana" panose="020B0604030504040204" pitchFamily="34" charset="0"/>
-              <a:cs typeface="Verdana" panose="020B0604030504040204" pitchFamily="34" charset="0"/>
-            </a:endParaRPr>
-          </a:p>
-        </p:txBody>
-      </p:sp>
-      <p:sp>
-        <p:nvSpPr>
-          <p:cNvPr id="165" name="Oval 164">
-            <a:extLst>
-              <a:ext uri="{FF2B5EF4-FFF2-40B4-BE49-F238E27FC236}">
-                <a16:creationId xmlns:a16="http://schemas.microsoft.com/office/drawing/2014/main" id="{7477433B-B40F-664A-A75C-7CA2666904FA}"/>
-              </a:ext>
-            </a:extLst>
-          </p:cNvPr>
-          <p:cNvSpPr/>
-          <p:nvPr/>
-        </p:nvSpPr>
-        <p:spPr>
-          <a:xfrm>
-            <a:off x="1984942" y="5545993"/>
-            <a:ext cx="433635" cy="433635"/>
-          </a:xfrm>
-          <a:prstGeom prst="ellipse">
-            <a:avLst/>
-          </a:prstGeom>
-          <a:solidFill>
-            <a:schemeClr val="bg1">
-              <a:lumMod val="85000"/>
-            </a:schemeClr>
-          </a:solidFill>
-          <a:ln>
-            <a:solidFill>
-              <a:schemeClr val="bg1">
-                <a:lumMod val="85000"/>
-              </a:schemeClr>
-            </a:solidFill>
-          </a:ln>
-        </p:spPr>
-        <p:style>
-          <a:lnRef idx="2">
-            <a:schemeClr val="accent1">
-              <a:shade val="50000"/>
-            </a:schemeClr>
-          </a:lnRef>
-          <a:fillRef idx="1">
-            <a:schemeClr val="accent1"/>
-          </a:fillRef>
-          <a:effectRef idx="0">
-            <a:schemeClr val="accent1"/>
-          </a:effectRef>
-          <a:fontRef idx="minor">
-            <a:schemeClr val="lt1"/>
-          </a:fontRef>
-        </p:style>
-        <p:txBody>
-          <a:bodyPr rtlCol="0" anchor="ctr"/>
-          <a:lstStyle/>
-          <a:p>
-            <a:pPr algn="ctr"/>
-            <a:endParaRPr lang="en-US" sz="800">
-              <a:latin typeface="Verdana" panose="020B0604030504040204" pitchFamily="34" charset="0"/>
-              <a:ea typeface="Verdana" panose="020B0604030504040204" pitchFamily="34" charset="0"/>
-              <a:cs typeface="Verdana" panose="020B0604030504040204" pitchFamily="34" charset="0"/>
-            </a:endParaRPr>
-          </a:p>
-        </p:txBody>
-      </p:sp>
-      <p:sp>
-        <p:nvSpPr>
-          <p:cNvPr id="167" name="Oval 166">
-            <a:extLst>
-              <a:ext uri="{FF2B5EF4-FFF2-40B4-BE49-F238E27FC236}">
-                <a16:creationId xmlns:a16="http://schemas.microsoft.com/office/drawing/2014/main" id="{2EBEF3BE-392B-104B-9891-EB225B625538}"/>
-              </a:ext>
-            </a:extLst>
-          </p:cNvPr>
-          <p:cNvSpPr/>
-          <p:nvPr/>
-        </p:nvSpPr>
-        <p:spPr>
-          <a:xfrm>
-            <a:off x="965956" y="5549671"/>
-            <a:ext cx="433635" cy="433635"/>
-          </a:xfrm>
-          <a:prstGeom prst="ellipse">
-            <a:avLst/>
-          </a:prstGeom>
-          <a:solidFill>
-            <a:schemeClr val="bg1">
-              <a:lumMod val="85000"/>
-            </a:schemeClr>
-          </a:solidFill>
-          <a:ln>
-            <a:solidFill>
-              <a:schemeClr val="bg1">
-                <a:lumMod val="85000"/>
-              </a:schemeClr>
-            </a:solidFill>
-          </a:ln>
-        </p:spPr>
-        <p:style>
-          <a:lnRef idx="2">
-            <a:schemeClr val="accent1">
-              <a:shade val="50000"/>
-            </a:schemeClr>
-          </a:lnRef>
-          <a:fillRef idx="1">
-            <a:schemeClr val="accent1"/>
-          </a:fillRef>
-          <a:effectRef idx="0">
-            <a:schemeClr val="accent1"/>
-          </a:effectRef>
-          <a:fontRef idx="minor">
-            <a:schemeClr val="lt1"/>
-          </a:fontRef>
-        </p:style>
-        <p:txBody>
-          <a:bodyPr rtlCol="0" anchor="ctr"/>
-          <a:lstStyle/>
-          <a:p>
-            <a:pPr algn="ctr"/>
-            <a:endParaRPr lang="en-US" sz="800">
-              <a:latin typeface="Verdana" panose="020B0604030504040204" pitchFamily="34" charset="0"/>
-              <a:ea typeface="Verdana" panose="020B0604030504040204" pitchFamily="34" charset="0"/>
-              <a:cs typeface="Verdana" panose="020B0604030504040204" pitchFamily="34" charset="0"/>
-            </a:endParaRPr>
-          </a:p>
-        </p:txBody>
-      </p:sp>
-      <p:sp>
-        <p:nvSpPr>
           <p:cNvPr id="169" name="TextBox 168">
             <a:extLst>
               <a:ext uri="{FF2B5EF4-FFF2-40B4-BE49-F238E27FC236}">
@@ -9841,7 +9686,7 @@
         </p:nvSpPr>
         <p:spPr>
           <a:xfrm>
-            <a:off x="-15216" y="181851"/>
+            <a:off x="-15216" y="157137"/>
             <a:ext cx="6825496" cy="307777"/>
           </a:xfrm>
           <a:prstGeom prst="rect">
@@ -10005,8 +9850,8 @@
         </p:nvSpPr>
         <p:spPr>
           <a:xfrm>
-            <a:off x="8818524" y="46166"/>
-            <a:ext cx="3244928" cy="523220"/>
+            <a:off x="8760858" y="46166"/>
+            <a:ext cx="3365868" cy="523220"/>
           </a:xfrm>
           <a:prstGeom prst="rect">
             <a:avLst/>
@@ -10029,7 +9874,7 @@
                 <a:ea typeface="Verdana" panose="020B0604030504040204" pitchFamily="34" charset="0"/>
                 <a:cs typeface="Verdana" panose="020B0604030504040204" pitchFamily="34" charset="0"/>
               </a:rPr>
-              <a:t>Indicators generally compare White ethnic groups with other groups to say where outcomes are better or worse for minority ethnic groups. In some cases, findings are complex with some groups better and others worse. These are marked by </a:t>
+              <a:t>Indicators generally compare White ethnic groups with other groups to say where outcomes are better or worse for minority ethnic groups. In some cases, findings are complex with some minority groups better and others worse. These are marked by </a:t>
             </a:r>
             <a:r>
               <a:rPr lang="en-US" sz="700" dirty="0" err="1">
@@ -10072,8 +9917,8 @@
         </p:nvCxnSpPr>
         <p:spPr>
           <a:xfrm flipV="1">
-            <a:off x="488222" y="6067033"/>
-            <a:ext cx="3773540" cy="12921"/>
+            <a:off x="488222" y="6069155"/>
+            <a:ext cx="3153812" cy="10800"/>
           </a:xfrm>
           <a:prstGeom prst="line">
             <a:avLst/>
@@ -10330,10 +10175,1380 @@
           </p:style>
         </p:cxnSp>
       </p:grpSp>
+      <p:sp>
+        <p:nvSpPr>
+          <p:cNvPr id="185" name="TextBox 184">
+            <a:extLst>
+              <a:ext uri="{FF2B5EF4-FFF2-40B4-BE49-F238E27FC236}">
+                <a16:creationId xmlns:a16="http://schemas.microsoft.com/office/drawing/2014/main" id="{C6E2AFCB-7656-5E46-B531-E4A81E3AA28A}"/>
+              </a:ext>
+            </a:extLst>
+          </p:cNvPr>
+          <p:cNvSpPr txBox="1"/>
+          <p:nvPr/>
+        </p:nvSpPr>
+        <p:spPr>
+          <a:xfrm>
+            <a:off x="6289353" y="4451988"/>
+            <a:ext cx="910827" cy="338554"/>
+          </a:xfrm>
+          <a:prstGeom prst="rect">
+            <a:avLst/>
+          </a:prstGeom>
+          <a:noFill/>
+        </p:spPr>
+        <p:txBody>
+          <a:bodyPr wrap="none" rtlCol="0">
+            <a:spAutoFit/>
+          </a:bodyPr>
+          <a:lstStyle/>
+          <a:p>
+            <a:r>
+              <a:rPr lang="en-US" sz="800" dirty="0">
+                <a:latin typeface="Verdana" panose="020B0604030504040204" pitchFamily="34" charset="0"/>
+                <a:ea typeface="Verdana" panose="020B0604030504040204" pitchFamily="34" charset="0"/>
+                <a:cs typeface="Verdana" panose="020B0604030504040204" pitchFamily="34" charset="0"/>
+              </a:rPr>
+              <a:t>% with LTC in</a:t>
+            </a:r>
+          </a:p>
+          <a:p>
+            <a:r>
+              <a:rPr lang="en-US" sz="800" dirty="0">
+                <a:latin typeface="Verdana" panose="020B0604030504040204" pitchFamily="34" charset="0"/>
+                <a:ea typeface="Verdana" panose="020B0604030504040204" pitchFamily="34" charset="0"/>
+                <a:cs typeface="Verdana" panose="020B0604030504040204" pitchFamily="34" charset="0"/>
+              </a:rPr>
+              <a:t>employment</a:t>
+            </a:r>
+          </a:p>
+        </p:txBody>
+      </p:sp>
+      <p:sp>
+        <p:nvSpPr>
+          <p:cNvPr id="188" name="TextBox 187">
+            <a:extLst>
+              <a:ext uri="{FF2B5EF4-FFF2-40B4-BE49-F238E27FC236}">
+                <a16:creationId xmlns:a16="http://schemas.microsoft.com/office/drawing/2014/main" id="{C3789395-56F2-1541-9AFD-2465FFFE2EB6}"/>
+              </a:ext>
+            </a:extLst>
+          </p:cNvPr>
+          <p:cNvSpPr txBox="1"/>
+          <p:nvPr/>
+        </p:nvSpPr>
+        <p:spPr>
+          <a:xfrm>
+            <a:off x="8509816" y="6073869"/>
+            <a:ext cx="979755" cy="461665"/>
+          </a:xfrm>
+          <a:prstGeom prst="rect">
+            <a:avLst/>
+          </a:prstGeom>
+          <a:noFill/>
+        </p:spPr>
+        <p:txBody>
+          <a:bodyPr wrap="none" rtlCol="0">
+            <a:spAutoFit/>
+          </a:bodyPr>
+          <a:lstStyle/>
+          <a:p>
+            <a:r>
+              <a:rPr lang="en-US" sz="800" dirty="0">
+                <a:latin typeface="Verdana" panose="020B0604030504040204" pitchFamily="34" charset="0"/>
+                <a:ea typeface="Verdana" panose="020B0604030504040204" pitchFamily="34" charset="0"/>
+                <a:cs typeface="Verdana" panose="020B0604030504040204" pitchFamily="34" charset="0"/>
+              </a:rPr>
+              <a:t>% with support</a:t>
+            </a:r>
+          </a:p>
+          <a:p>
+            <a:r>
+              <a:rPr lang="en-US" sz="800" dirty="0">
+                <a:latin typeface="Verdana" panose="020B0604030504040204" pitchFamily="34" charset="0"/>
+                <a:ea typeface="Verdana" panose="020B0604030504040204" pitchFamily="34" charset="0"/>
+                <a:cs typeface="Verdana" panose="020B0604030504040204" pitchFamily="34" charset="0"/>
+              </a:rPr>
+              <a:t>to manage </a:t>
+            </a:r>
+          </a:p>
+          <a:p>
+            <a:r>
+              <a:rPr lang="en-US" sz="800" dirty="0">
+                <a:latin typeface="Verdana" panose="020B0604030504040204" pitchFamily="34" charset="0"/>
+                <a:ea typeface="Verdana" panose="020B0604030504040204" pitchFamily="34" charset="0"/>
+                <a:cs typeface="Verdana" panose="020B0604030504040204" pitchFamily="34" charset="0"/>
+              </a:rPr>
+              <a:t>LTC</a:t>
+            </a:r>
+          </a:p>
+        </p:txBody>
+      </p:sp>
+      <p:sp>
+        <p:nvSpPr>
+          <p:cNvPr id="189" name="TextBox 188">
+            <a:extLst>
+              <a:ext uri="{FF2B5EF4-FFF2-40B4-BE49-F238E27FC236}">
+                <a16:creationId xmlns:a16="http://schemas.microsoft.com/office/drawing/2014/main" id="{21EC6498-B52A-7A4F-8CDF-A2B09A8EB0F3}"/>
+              </a:ext>
+            </a:extLst>
+          </p:cNvPr>
+          <p:cNvSpPr txBox="1"/>
+          <p:nvPr/>
+        </p:nvSpPr>
+        <p:spPr>
+          <a:xfrm>
+            <a:off x="0" y="398225"/>
+            <a:ext cx="5500944" cy="200055"/>
+          </a:xfrm>
+          <a:prstGeom prst="rect">
+            <a:avLst/>
+          </a:prstGeom>
+          <a:noFill/>
+        </p:spPr>
+        <p:txBody>
+          <a:bodyPr wrap="square" rtlCol="0">
+            <a:spAutoFit/>
+          </a:bodyPr>
+          <a:lstStyle/>
+          <a:p>
+            <a:pPr algn="just"/>
+            <a:r>
+              <a:rPr lang="en-US" sz="700" dirty="0">
+                <a:solidFill>
+                  <a:schemeClr val="bg1"/>
+                </a:solidFill>
+                <a:latin typeface="Verdana" panose="020B0604030504040204" pitchFamily="34" charset="0"/>
+                <a:ea typeface="Verdana" panose="020B0604030504040204" pitchFamily="34" charset="0"/>
+                <a:cs typeface="Verdana" panose="020B0604030504040204" pitchFamily="34" charset="0"/>
+              </a:rPr>
+              <a:t>Indicators vary widely in </a:t>
+            </a:r>
+            <a:r>
+              <a:rPr lang="en-US" sz="700" dirty="0" err="1">
+                <a:solidFill>
+                  <a:schemeClr val="bg1"/>
+                </a:solidFill>
+                <a:latin typeface="Verdana" panose="020B0604030504040204" pitchFamily="34" charset="0"/>
+                <a:ea typeface="Verdana" panose="020B0604030504040204" pitchFamily="34" charset="0"/>
+                <a:cs typeface="Verdana" panose="020B0604030504040204" pitchFamily="34" charset="0"/>
+              </a:rPr>
+              <a:t>categorisation</a:t>
+            </a:r>
+            <a:r>
+              <a:rPr lang="en-US" sz="700" dirty="0">
+                <a:solidFill>
+                  <a:schemeClr val="bg1"/>
+                </a:solidFill>
+                <a:latin typeface="Verdana" panose="020B0604030504040204" pitchFamily="34" charset="0"/>
+                <a:ea typeface="Verdana" panose="020B0604030504040204" pitchFamily="34" charset="0"/>
+                <a:cs typeface="Verdana" panose="020B0604030504040204" pitchFamily="34" charset="0"/>
+              </a:rPr>
+              <a:t> of ethnic groups and time periods covered. </a:t>
+            </a:r>
+          </a:p>
+        </p:txBody>
+      </p:sp>
+      <p:sp>
+        <p:nvSpPr>
+          <p:cNvPr id="191" name="TextBox 190">
+            <a:extLst>
+              <a:ext uri="{FF2B5EF4-FFF2-40B4-BE49-F238E27FC236}">
+                <a16:creationId xmlns:a16="http://schemas.microsoft.com/office/drawing/2014/main" id="{448B9DE6-208F-5F42-9205-50E3DF10B7A6}"/>
+              </a:ext>
+            </a:extLst>
+          </p:cNvPr>
+          <p:cNvSpPr txBox="1"/>
+          <p:nvPr/>
+        </p:nvSpPr>
+        <p:spPr>
+          <a:xfrm>
+            <a:off x="2730477" y="6087723"/>
+            <a:ext cx="744114" cy="461665"/>
+          </a:xfrm>
+          <a:prstGeom prst="rect">
+            <a:avLst/>
+          </a:prstGeom>
+          <a:noFill/>
+        </p:spPr>
+        <p:txBody>
+          <a:bodyPr wrap="none" rtlCol="0">
+            <a:spAutoFit/>
+          </a:bodyPr>
+          <a:lstStyle/>
+          <a:p>
+            <a:r>
+              <a:rPr lang="en-US" sz="800" dirty="0">
+                <a:latin typeface="Verdana" panose="020B0604030504040204" pitchFamily="34" charset="0"/>
+                <a:ea typeface="Verdana" panose="020B0604030504040204" pitchFamily="34" charset="0"/>
+                <a:cs typeface="Verdana" panose="020B0604030504040204" pitchFamily="34" charset="0"/>
+              </a:rPr>
+              <a:t>Diabetes </a:t>
+            </a:r>
+          </a:p>
+          <a:p>
+            <a:r>
+              <a:rPr lang="en-US" sz="800" dirty="0">
+                <a:latin typeface="Verdana" panose="020B0604030504040204" pitchFamily="34" charset="0"/>
+                <a:ea typeface="Verdana" panose="020B0604030504040204" pitchFamily="34" charset="0"/>
+                <a:cs typeface="Verdana" panose="020B0604030504040204" pitchFamily="34" charset="0"/>
+              </a:rPr>
+              <a:t>prevalence</a:t>
+            </a:r>
+          </a:p>
+          <a:p>
+            <a:endParaRPr lang="en-US" sz="800" dirty="0">
+              <a:latin typeface="Verdana" panose="020B0604030504040204" pitchFamily="34" charset="0"/>
+              <a:ea typeface="Verdana" panose="020B0604030504040204" pitchFamily="34" charset="0"/>
+              <a:cs typeface="Verdana" panose="020B0604030504040204" pitchFamily="34" charset="0"/>
+            </a:endParaRPr>
+          </a:p>
+        </p:txBody>
+      </p:sp>
+      <p:sp>
+        <p:nvSpPr>
+          <p:cNvPr id="192" name="TextBox 191">
+            <a:extLst>
+              <a:ext uri="{FF2B5EF4-FFF2-40B4-BE49-F238E27FC236}">
+                <a16:creationId xmlns:a16="http://schemas.microsoft.com/office/drawing/2014/main" id="{B976C1A7-DE0A-C046-9B36-6C6C2B4AD031}"/>
+              </a:ext>
+            </a:extLst>
+          </p:cNvPr>
+          <p:cNvSpPr txBox="1"/>
+          <p:nvPr/>
+        </p:nvSpPr>
+        <p:spPr>
+          <a:xfrm>
+            <a:off x="1507259" y="6106762"/>
+            <a:ext cx="1132041" cy="215444"/>
+          </a:xfrm>
+          <a:prstGeom prst="rect">
+            <a:avLst/>
+          </a:prstGeom>
+          <a:noFill/>
+        </p:spPr>
+        <p:txBody>
+          <a:bodyPr wrap="none" rtlCol="0">
+            <a:spAutoFit/>
+          </a:bodyPr>
+          <a:lstStyle/>
+          <a:p>
+            <a:r>
+              <a:rPr lang="en-US" sz="800" dirty="0">
+                <a:latin typeface="Verdana" panose="020B0604030504040204" pitchFamily="34" charset="0"/>
+                <a:ea typeface="Verdana" panose="020B0604030504040204" pitchFamily="34" charset="0"/>
+                <a:cs typeface="Verdana" panose="020B0604030504040204" pitchFamily="34" charset="0"/>
+              </a:rPr>
+              <a:t>Asthma and COPD</a:t>
+            </a:r>
+          </a:p>
+        </p:txBody>
+      </p:sp>
+      <p:sp>
+        <p:nvSpPr>
+          <p:cNvPr id="193" name="TextBox 192">
+            <a:extLst>
+              <a:ext uri="{FF2B5EF4-FFF2-40B4-BE49-F238E27FC236}">
+                <a16:creationId xmlns:a16="http://schemas.microsoft.com/office/drawing/2014/main" id="{1A7E13C7-185E-C544-84C1-FD147CA2B8D7}"/>
+              </a:ext>
+            </a:extLst>
+          </p:cNvPr>
+          <p:cNvSpPr txBox="1"/>
+          <p:nvPr/>
+        </p:nvSpPr>
+        <p:spPr>
+          <a:xfrm>
+            <a:off x="501831" y="6113988"/>
+            <a:ext cx="904415" cy="461665"/>
+          </a:xfrm>
+          <a:prstGeom prst="rect">
+            <a:avLst/>
+          </a:prstGeom>
+          <a:noFill/>
+        </p:spPr>
+        <p:txBody>
+          <a:bodyPr wrap="none" rtlCol="0">
+            <a:spAutoFit/>
+          </a:bodyPr>
+          <a:lstStyle/>
+          <a:p>
+            <a:r>
+              <a:rPr lang="en-US" sz="800" dirty="0">
+                <a:latin typeface="Verdana" panose="020B0604030504040204" pitchFamily="34" charset="0"/>
+                <a:ea typeface="Verdana" panose="020B0604030504040204" pitchFamily="34" charset="0"/>
+                <a:cs typeface="Verdana" panose="020B0604030504040204" pitchFamily="34" charset="0"/>
+              </a:rPr>
+              <a:t>Hypertension </a:t>
+            </a:r>
+          </a:p>
+          <a:p>
+            <a:r>
+              <a:rPr lang="en-US" sz="800" dirty="0">
+                <a:latin typeface="Verdana" panose="020B0604030504040204" pitchFamily="34" charset="0"/>
+                <a:ea typeface="Verdana" panose="020B0604030504040204" pitchFamily="34" charset="0"/>
+                <a:cs typeface="Verdana" panose="020B0604030504040204" pitchFamily="34" charset="0"/>
+              </a:rPr>
+              <a:t>prevalence</a:t>
+            </a:r>
+          </a:p>
+          <a:p>
+            <a:endParaRPr lang="en-US" sz="800" dirty="0">
+              <a:latin typeface="Verdana" panose="020B0604030504040204" pitchFamily="34" charset="0"/>
+              <a:ea typeface="Verdana" panose="020B0604030504040204" pitchFamily="34" charset="0"/>
+              <a:cs typeface="Verdana" panose="020B0604030504040204" pitchFamily="34" charset="0"/>
+            </a:endParaRPr>
+          </a:p>
+        </p:txBody>
+      </p:sp>
+      <p:grpSp>
+        <p:nvGrpSpPr>
+          <p:cNvPr id="194" name="Group 193">
+            <a:extLst>
+              <a:ext uri="{FF2B5EF4-FFF2-40B4-BE49-F238E27FC236}">
+                <a16:creationId xmlns:a16="http://schemas.microsoft.com/office/drawing/2014/main" id="{7901C3FB-F8D5-8240-8F33-1AE95AB884CD}"/>
+              </a:ext>
+            </a:extLst>
+          </p:cNvPr>
+          <p:cNvGrpSpPr>
+            <a:grpSpLocks noChangeAspect="1"/>
+          </p:cNvGrpSpPr>
+          <p:nvPr/>
+        </p:nvGrpSpPr>
+        <p:grpSpPr>
+          <a:xfrm>
+            <a:off x="2839626" y="5556889"/>
+            <a:ext cx="432002" cy="432000"/>
+            <a:chOff x="5017739" y="1879437"/>
+            <a:chExt cx="433637" cy="433635"/>
+          </a:xfrm>
+        </p:grpSpPr>
+        <p:sp>
+          <p:nvSpPr>
+            <p:cNvPr id="195" name="Pie 194">
+              <a:extLst>
+                <a:ext uri="{FF2B5EF4-FFF2-40B4-BE49-F238E27FC236}">
+                  <a16:creationId xmlns:a16="http://schemas.microsoft.com/office/drawing/2014/main" id="{89AF57DA-2826-264F-8B57-7B1E51AF8FA6}"/>
+                </a:ext>
+              </a:extLst>
+            </p:cNvPr>
+            <p:cNvSpPr/>
+            <p:nvPr/>
+          </p:nvSpPr>
+          <p:spPr>
+            <a:xfrm rot="5400000">
+              <a:off x="5017741" y="1879437"/>
+              <a:ext cx="433635" cy="433635"/>
+            </a:xfrm>
+            <a:prstGeom prst="pie">
+              <a:avLst>
+                <a:gd name="adj1" fmla="val 10764355"/>
+                <a:gd name="adj2" fmla="val 16200000"/>
+              </a:avLst>
+            </a:prstGeom>
+            <a:solidFill>
+              <a:srgbClr val="3ECC26"/>
+            </a:solidFill>
+            <a:ln>
+              <a:noFill/>
+            </a:ln>
+          </p:spPr>
+          <p:style>
+            <a:lnRef idx="2">
+              <a:schemeClr val="accent1">
+                <a:shade val="50000"/>
+              </a:schemeClr>
+            </a:lnRef>
+            <a:fillRef idx="1">
+              <a:schemeClr val="accent1"/>
+            </a:fillRef>
+            <a:effectRef idx="0">
+              <a:schemeClr val="accent1"/>
+            </a:effectRef>
+            <a:fontRef idx="minor">
+              <a:schemeClr val="lt1"/>
+            </a:fontRef>
+          </p:style>
+          <p:txBody>
+            <a:bodyPr rtlCol="0" anchor="ctr"/>
+            <a:lstStyle/>
+            <a:p>
+              <a:pPr algn="ctr"/>
+              <a:endParaRPr lang="en-US" sz="800">
+                <a:latin typeface="Verdana" panose="020B0604030504040204" pitchFamily="34" charset="0"/>
+                <a:ea typeface="Verdana" panose="020B0604030504040204" pitchFamily="34" charset="0"/>
+                <a:cs typeface="Verdana" panose="020B0604030504040204" pitchFamily="34" charset="0"/>
+              </a:endParaRPr>
+            </a:p>
+          </p:txBody>
+        </p:sp>
+        <p:sp>
+          <p:nvSpPr>
+            <p:cNvPr id="196" name="Pie 195">
+              <a:extLst>
+                <a:ext uri="{FF2B5EF4-FFF2-40B4-BE49-F238E27FC236}">
+                  <a16:creationId xmlns:a16="http://schemas.microsoft.com/office/drawing/2014/main" id="{147EEA53-6F60-A442-A08D-1A28B27E7405}"/>
+                </a:ext>
+              </a:extLst>
+            </p:cNvPr>
+            <p:cNvSpPr/>
+            <p:nvPr/>
+          </p:nvSpPr>
+          <p:spPr>
+            <a:xfrm rot="10800000">
+              <a:off x="5017740" y="1879437"/>
+              <a:ext cx="433635" cy="433635"/>
+            </a:xfrm>
+            <a:prstGeom prst="pie">
+              <a:avLst>
+                <a:gd name="adj1" fmla="val 10764355"/>
+                <a:gd name="adj2" fmla="val 16200000"/>
+              </a:avLst>
+            </a:prstGeom>
+            <a:solidFill>
+              <a:srgbClr val="E7AF27"/>
+            </a:solidFill>
+            <a:ln>
+              <a:noFill/>
+            </a:ln>
+          </p:spPr>
+          <p:style>
+            <a:lnRef idx="2">
+              <a:schemeClr val="accent1">
+                <a:shade val="50000"/>
+              </a:schemeClr>
+            </a:lnRef>
+            <a:fillRef idx="1">
+              <a:schemeClr val="accent1"/>
+            </a:fillRef>
+            <a:effectRef idx="0">
+              <a:schemeClr val="accent1"/>
+            </a:effectRef>
+            <a:fontRef idx="minor">
+              <a:schemeClr val="lt1"/>
+            </a:fontRef>
+          </p:style>
+          <p:txBody>
+            <a:bodyPr rtlCol="0" anchor="ctr"/>
+            <a:lstStyle/>
+            <a:p>
+              <a:pPr algn="ctr"/>
+              <a:endParaRPr lang="en-US" sz="800">
+                <a:latin typeface="Verdana" panose="020B0604030504040204" pitchFamily="34" charset="0"/>
+                <a:ea typeface="Verdana" panose="020B0604030504040204" pitchFamily="34" charset="0"/>
+                <a:cs typeface="Verdana" panose="020B0604030504040204" pitchFamily="34" charset="0"/>
+              </a:endParaRPr>
+            </a:p>
+          </p:txBody>
+        </p:sp>
+        <p:sp>
+          <p:nvSpPr>
+            <p:cNvPr id="197" name="Pie 196">
+              <a:extLst>
+                <a:ext uri="{FF2B5EF4-FFF2-40B4-BE49-F238E27FC236}">
+                  <a16:creationId xmlns:a16="http://schemas.microsoft.com/office/drawing/2014/main" id="{BD4339E5-9B16-2441-B8C5-0BC03BE0C041}"/>
+                </a:ext>
+              </a:extLst>
+            </p:cNvPr>
+            <p:cNvSpPr/>
+            <p:nvPr/>
+          </p:nvSpPr>
+          <p:spPr>
+            <a:xfrm rot="16200000">
+              <a:off x="5017739" y="1879437"/>
+              <a:ext cx="433635" cy="433635"/>
+            </a:xfrm>
+            <a:prstGeom prst="pie">
+              <a:avLst>
+                <a:gd name="adj1" fmla="val 10764355"/>
+                <a:gd name="adj2" fmla="val 16200000"/>
+              </a:avLst>
+            </a:prstGeom>
+            <a:solidFill>
+              <a:srgbClr val="CC2629"/>
+            </a:solidFill>
+            <a:ln>
+              <a:noFill/>
+            </a:ln>
+          </p:spPr>
+          <p:style>
+            <a:lnRef idx="2">
+              <a:schemeClr val="accent1">
+                <a:shade val="50000"/>
+              </a:schemeClr>
+            </a:lnRef>
+            <a:fillRef idx="1">
+              <a:schemeClr val="accent1"/>
+            </a:fillRef>
+            <a:effectRef idx="0">
+              <a:schemeClr val="accent1"/>
+            </a:effectRef>
+            <a:fontRef idx="minor">
+              <a:schemeClr val="lt1"/>
+            </a:fontRef>
+          </p:style>
+          <p:txBody>
+            <a:bodyPr rtlCol="0" anchor="ctr"/>
+            <a:lstStyle/>
+            <a:p>
+              <a:pPr algn="ctr"/>
+              <a:endParaRPr lang="en-US" sz="800">
+                <a:latin typeface="Verdana" panose="020B0604030504040204" pitchFamily="34" charset="0"/>
+                <a:ea typeface="Verdana" panose="020B0604030504040204" pitchFamily="34" charset="0"/>
+                <a:cs typeface="Verdana" panose="020B0604030504040204" pitchFamily="34" charset="0"/>
+              </a:endParaRPr>
+            </a:p>
+          </p:txBody>
+        </p:sp>
+        <p:sp>
+          <p:nvSpPr>
+            <p:cNvPr id="198" name="Pie 197">
+              <a:extLst>
+                <a:ext uri="{FF2B5EF4-FFF2-40B4-BE49-F238E27FC236}">
+                  <a16:creationId xmlns:a16="http://schemas.microsoft.com/office/drawing/2014/main" id="{533DD238-E5DF-0F4D-929A-E2E755893519}"/>
+                </a:ext>
+              </a:extLst>
+            </p:cNvPr>
+            <p:cNvSpPr/>
+            <p:nvPr/>
+          </p:nvSpPr>
+          <p:spPr>
+            <a:xfrm>
+              <a:off x="5017741" y="1879437"/>
+              <a:ext cx="433635" cy="433635"/>
+            </a:xfrm>
+            <a:prstGeom prst="pie">
+              <a:avLst>
+                <a:gd name="adj1" fmla="val 10764355"/>
+                <a:gd name="adj2" fmla="val 16200000"/>
+              </a:avLst>
+            </a:prstGeom>
+            <a:solidFill>
+              <a:schemeClr val="bg1">
+                <a:lumMod val="85000"/>
+              </a:schemeClr>
+            </a:solidFill>
+            <a:ln>
+              <a:noFill/>
+            </a:ln>
+          </p:spPr>
+          <p:style>
+            <a:lnRef idx="2">
+              <a:schemeClr val="accent1">
+                <a:shade val="50000"/>
+              </a:schemeClr>
+            </a:lnRef>
+            <a:fillRef idx="1">
+              <a:schemeClr val="accent1"/>
+            </a:fillRef>
+            <a:effectRef idx="0">
+              <a:schemeClr val="accent1"/>
+            </a:effectRef>
+            <a:fontRef idx="minor">
+              <a:schemeClr val="lt1"/>
+            </a:fontRef>
+          </p:style>
+          <p:txBody>
+            <a:bodyPr rtlCol="0" anchor="ctr"/>
+            <a:lstStyle/>
+            <a:p>
+              <a:pPr algn="ctr"/>
+              <a:endParaRPr lang="en-US" sz="800">
+                <a:latin typeface="Verdana" panose="020B0604030504040204" pitchFamily="34" charset="0"/>
+                <a:ea typeface="Verdana" panose="020B0604030504040204" pitchFamily="34" charset="0"/>
+                <a:cs typeface="Verdana" panose="020B0604030504040204" pitchFamily="34" charset="0"/>
+              </a:endParaRPr>
+            </a:p>
+          </p:txBody>
+        </p:sp>
+      </p:grpSp>
+      <p:sp>
+        <p:nvSpPr>
+          <p:cNvPr id="199" name="Oval 198">
+            <a:extLst>
+              <a:ext uri="{FF2B5EF4-FFF2-40B4-BE49-F238E27FC236}">
+                <a16:creationId xmlns:a16="http://schemas.microsoft.com/office/drawing/2014/main" id="{B1E7901C-DBED-7C40-BE62-77836821CD51}"/>
+              </a:ext>
+            </a:extLst>
+          </p:cNvPr>
+          <p:cNvSpPr/>
+          <p:nvPr/>
+        </p:nvSpPr>
+        <p:spPr>
+          <a:xfrm>
+            <a:off x="986263" y="5398981"/>
+            <a:ext cx="134736" cy="134736"/>
+          </a:xfrm>
+          <a:prstGeom prst="ellipse">
+            <a:avLst/>
+          </a:prstGeom>
+          <a:solidFill>
+            <a:srgbClr val="349EFF"/>
+          </a:solidFill>
+          <a:ln>
+            <a:solidFill>
+              <a:srgbClr val="349EFF"/>
+            </a:solidFill>
+          </a:ln>
+        </p:spPr>
+        <p:style>
+          <a:lnRef idx="2">
+            <a:schemeClr val="accent1">
+              <a:shade val="50000"/>
+            </a:schemeClr>
+          </a:lnRef>
+          <a:fillRef idx="1">
+            <a:schemeClr val="accent1"/>
+          </a:fillRef>
+          <a:effectRef idx="0">
+            <a:schemeClr val="accent1"/>
+          </a:effectRef>
+          <a:fontRef idx="minor">
+            <a:schemeClr val="lt1"/>
+          </a:fontRef>
+        </p:style>
+        <p:txBody>
+          <a:bodyPr rtlCol="0" anchor="ctr"/>
+          <a:lstStyle/>
+          <a:p>
+            <a:pPr algn="ctr"/>
+            <a:endParaRPr lang="en-US" sz="800">
+              <a:solidFill>
+                <a:schemeClr val="bg1"/>
+              </a:solidFill>
+              <a:latin typeface="Verdana" panose="020B0604030504040204" pitchFamily="34" charset="0"/>
+              <a:ea typeface="Verdana" panose="020B0604030504040204" pitchFamily="34" charset="0"/>
+              <a:cs typeface="Verdana" panose="020B0604030504040204" pitchFamily="34" charset="0"/>
+            </a:endParaRPr>
+          </a:p>
+        </p:txBody>
+      </p:sp>
+      <p:sp>
+        <p:nvSpPr>
+          <p:cNvPr id="200" name="Oval 199">
+            <a:extLst>
+              <a:ext uri="{FF2B5EF4-FFF2-40B4-BE49-F238E27FC236}">
+                <a16:creationId xmlns:a16="http://schemas.microsoft.com/office/drawing/2014/main" id="{319740D6-A05C-3848-B5A9-C8529AF8257B}"/>
+              </a:ext>
+            </a:extLst>
+          </p:cNvPr>
+          <p:cNvSpPr/>
+          <p:nvPr/>
+        </p:nvSpPr>
+        <p:spPr>
+          <a:xfrm>
+            <a:off x="2048311" y="5395648"/>
+            <a:ext cx="134736" cy="134736"/>
+          </a:xfrm>
+          <a:prstGeom prst="ellipse">
+            <a:avLst/>
+          </a:prstGeom>
+          <a:solidFill>
+            <a:srgbClr val="349EFF"/>
+          </a:solidFill>
+          <a:ln>
+            <a:solidFill>
+              <a:srgbClr val="349EFF"/>
+            </a:solidFill>
+          </a:ln>
+        </p:spPr>
+        <p:style>
+          <a:lnRef idx="2">
+            <a:schemeClr val="accent1">
+              <a:shade val="50000"/>
+            </a:schemeClr>
+          </a:lnRef>
+          <a:fillRef idx="1">
+            <a:schemeClr val="accent1"/>
+          </a:fillRef>
+          <a:effectRef idx="0">
+            <a:schemeClr val="accent1"/>
+          </a:effectRef>
+          <a:fontRef idx="minor">
+            <a:schemeClr val="lt1"/>
+          </a:fontRef>
+        </p:style>
+        <p:txBody>
+          <a:bodyPr rtlCol="0" anchor="ctr"/>
+          <a:lstStyle/>
+          <a:p>
+            <a:pPr algn="ctr"/>
+            <a:endParaRPr lang="en-US" sz="800">
+              <a:solidFill>
+                <a:schemeClr val="bg1"/>
+              </a:solidFill>
+              <a:latin typeface="Verdana" panose="020B0604030504040204" pitchFamily="34" charset="0"/>
+              <a:ea typeface="Verdana" panose="020B0604030504040204" pitchFamily="34" charset="0"/>
+              <a:cs typeface="Verdana" panose="020B0604030504040204" pitchFamily="34" charset="0"/>
+            </a:endParaRPr>
+          </a:p>
+        </p:txBody>
+      </p:sp>
+      <p:sp>
+        <p:nvSpPr>
+          <p:cNvPr id="201" name="Oval 200">
+            <a:extLst>
+              <a:ext uri="{FF2B5EF4-FFF2-40B4-BE49-F238E27FC236}">
+                <a16:creationId xmlns:a16="http://schemas.microsoft.com/office/drawing/2014/main" id="{69201855-7EF9-EB4C-A3FF-22C949336D7A}"/>
+              </a:ext>
+            </a:extLst>
+          </p:cNvPr>
+          <p:cNvSpPr/>
+          <p:nvPr/>
+        </p:nvSpPr>
+        <p:spPr>
+          <a:xfrm>
+            <a:off x="3269468" y="5398343"/>
+            <a:ext cx="134736" cy="134736"/>
+          </a:xfrm>
+          <a:prstGeom prst="ellipse">
+            <a:avLst/>
+          </a:prstGeom>
+          <a:solidFill>
+            <a:srgbClr val="349EFF"/>
+          </a:solidFill>
+          <a:ln>
+            <a:solidFill>
+              <a:srgbClr val="349EFF"/>
+            </a:solidFill>
+          </a:ln>
+        </p:spPr>
+        <p:style>
+          <a:lnRef idx="2">
+            <a:schemeClr val="accent1">
+              <a:shade val="50000"/>
+            </a:schemeClr>
+          </a:lnRef>
+          <a:fillRef idx="1">
+            <a:schemeClr val="accent1"/>
+          </a:fillRef>
+          <a:effectRef idx="0">
+            <a:schemeClr val="accent1"/>
+          </a:effectRef>
+          <a:fontRef idx="minor">
+            <a:schemeClr val="lt1"/>
+          </a:fontRef>
+        </p:style>
+        <p:txBody>
+          <a:bodyPr rtlCol="0" anchor="ctr"/>
+          <a:lstStyle/>
+          <a:p>
+            <a:pPr algn="ctr"/>
+            <a:endParaRPr lang="en-US" sz="800">
+              <a:solidFill>
+                <a:schemeClr val="bg1"/>
+              </a:solidFill>
+              <a:latin typeface="Verdana" panose="020B0604030504040204" pitchFamily="34" charset="0"/>
+              <a:ea typeface="Verdana" panose="020B0604030504040204" pitchFamily="34" charset="0"/>
+              <a:cs typeface="Verdana" panose="020B0604030504040204" pitchFamily="34" charset="0"/>
+            </a:endParaRPr>
+          </a:p>
+        </p:txBody>
+      </p:sp>
+      <p:grpSp>
+        <p:nvGrpSpPr>
+          <p:cNvPr id="202" name="Group 201">
+            <a:extLst>
+              <a:ext uri="{FF2B5EF4-FFF2-40B4-BE49-F238E27FC236}">
+                <a16:creationId xmlns:a16="http://schemas.microsoft.com/office/drawing/2014/main" id="{25C788D5-C261-444E-9044-CF4EA97EA000}"/>
+              </a:ext>
+            </a:extLst>
+          </p:cNvPr>
+          <p:cNvGrpSpPr>
+            <a:grpSpLocks noChangeAspect="1"/>
+          </p:cNvGrpSpPr>
+          <p:nvPr/>
+        </p:nvGrpSpPr>
+        <p:grpSpPr>
+          <a:xfrm>
+            <a:off x="585771" y="5587802"/>
+            <a:ext cx="432002" cy="432000"/>
+            <a:chOff x="5017739" y="1879437"/>
+            <a:chExt cx="433637" cy="433635"/>
+          </a:xfrm>
+        </p:grpSpPr>
+        <p:sp>
+          <p:nvSpPr>
+            <p:cNvPr id="203" name="Pie 202">
+              <a:extLst>
+                <a:ext uri="{FF2B5EF4-FFF2-40B4-BE49-F238E27FC236}">
+                  <a16:creationId xmlns:a16="http://schemas.microsoft.com/office/drawing/2014/main" id="{BEFAD1E3-E00F-E741-8495-3F0149170617}"/>
+                </a:ext>
+              </a:extLst>
+            </p:cNvPr>
+            <p:cNvSpPr/>
+            <p:nvPr/>
+          </p:nvSpPr>
+          <p:spPr>
+            <a:xfrm rot="5400000">
+              <a:off x="5017741" y="1879437"/>
+              <a:ext cx="433635" cy="433635"/>
+            </a:xfrm>
+            <a:prstGeom prst="pie">
+              <a:avLst>
+                <a:gd name="adj1" fmla="val 10764355"/>
+                <a:gd name="adj2" fmla="val 16200000"/>
+              </a:avLst>
+            </a:prstGeom>
+            <a:solidFill>
+              <a:srgbClr val="3ECC26"/>
+            </a:solidFill>
+            <a:ln>
+              <a:noFill/>
+            </a:ln>
+          </p:spPr>
+          <p:style>
+            <a:lnRef idx="2">
+              <a:schemeClr val="accent1">
+                <a:shade val="50000"/>
+              </a:schemeClr>
+            </a:lnRef>
+            <a:fillRef idx="1">
+              <a:schemeClr val="accent1"/>
+            </a:fillRef>
+            <a:effectRef idx="0">
+              <a:schemeClr val="accent1"/>
+            </a:effectRef>
+            <a:fontRef idx="minor">
+              <a:schemeClr val="lt1"/>
+            </a:fontRef>
+          </p:style>
+          <p:txBody>
+            <a:bodyPr rtlCol="0" anchor="ctr"/>
+            <a:lstStyle/>
+            <a:p>
+              <a:pPr algn="ctr"/>
+              <a:endParaRPr lang="en-US" sz="800">
+                <a:latin typeface="Verdana" panose="020B0604030504040204" pitchFamily="34" charset="0"/>
+                <a:ea typeface="Verdana" panose="020B0604030504040204" pitchFamily="34" charset="0"/>
+                <a:cs typeface="Verdana" panose="020B0604030504040204" pitchFamily="34" charset="0"/>
+              </a:endParaRPr>
+            </a:p>
+          </p:txBody>
+        </p:sp>
+        <p:sp>
+          <p:nvSpPr>
+            <p:cNvPr id="204" name="Pie 203">
+              <a:extLst>
+                <a:ext uri="{FF2B5EF4-FFF2-40B4-BE49-F238E27FC236}">
+                  <a16:creationId xmlns:a16="http://schemas.microsoft.com/office/drawing/2014/main" id="{E4B1A447-B254-B744-918E-27B84413E103}"/>
+                </a:ext>
+              </a:extLst>
+            </p:cNvPr>
+            <p:cNvSpPr/>
+            <p:nvPr/>
+          </p:nvSpPr>
+          <p:spPr>
+            <a:xfrm rot="10800000">
+              <a:off x="5017740" y="1879437"/>
+              <a:ext cx="433635" cy="433635"/>
+            </a:xfrm>
+            <a:prstGeom prst="pie">
+              <a:avLst>
+                <a:gd name="adj1" fmla="val 10764355"/>
+                <a:gd name="adj2" fmla="val 16200000"/>
+              </a:avLst>
+            </a:prstGeom>
+            <a:solidFill>
+              <a:srgbClr val="E7AF27"/>
+            </a:solidFill>
+            <a:ln>
+              <a:noFill/>
+            </a:ln>
+          </p:spPr>
+          <p:style>
+            <a:lnRef idx="2">
+              <a:schemeClr val="accent1">
+                <a:shade val="50000"/>
+              </a:schemeClr>
+            </a:lnRef>
+            <a:fillRef idx="1">
+              <a:schemeClr val="accent1"/>
+            </a:fillRef>
+            <a:effectRef idx="0">
+              <a:schemeClr val="accent1"/>
+            </a:effectRef>
+            <a:fontRef idx="minor">
+              <a:schemeClr val="lt1"/>
+            </a:fontRef>
+          </p:style>
+          <p:txBody>
+            <a:bodyPr rtlCol="0" anchor="ctr"/>
+            <a:lstStyle/>
+            <a:p>
+              <a:pPr algn="ctr"/>
+              <a:endParaRPr lang="en-US" sz="800">
+                <a:latin typeface="Verdana" panose="020B0604030504040204" pitchFamily="34" charset="0"/>
+                <a:ea typeface="Verdana" panose="020B0604030504040204" pitchFamily="34" charset="0"/>
+                <a:cs typeface="Verdana" panose="020B0604030504040204" pitchFamily="34" charset="0"/>
+              </a:endParaRPr>
+            </a:p>
+          </p:txBody>
+        </p:sp>
+        <p:sp>
+          <p:nvSpPr>
+            <p:cNvPr id="205" name="Pie 204">
+              <a:extLst>
+                <a:ext uri="{FF2B5EF4-FFF2-40B4-BE49-F238E27FC236}">
+                  <a16:creationId xmlns:a16="http://schemas.microsoft.com/office/drawing/2014/main" id="{32FC891C-71E1-2940-AFE0-096D0B3A7E39}"/>
+                </a:ext>
+              </a:extLst>
+            </p:cNvPr>
+            <p:cNvSpPr/>
+            <p:nvPr/>
+          </p:nvSpPr>
+          <p:spPr>
+            <a:xfrm rot="16200000">
+              <a:off x="5017739" y="1879437"/>
+              <a:ext cx="433635" cy="433635"/>
+            </a:xfrm>
+            <a:prstGeom prst="pie">
+              <a:avLst>
+                <a:gd name="adj1" fmla="val 10764355"/>
+                <a:gd name="adj2" fmla="val 16200000"/>
+              </a:avLst>
+            </a:prstGeom>
+            <a:solidFill>
+              <a:srgbClr val="CC2629"/>
+            </a:solidFill>
+            <a:ln>
+              <a:noFill/>
+            </a:ln>
+          </p:spPr>
+          <p:style>
+            <a:lnRef idx="2">
+              <a:schemeClr val="accent1">
+                <a:shade val="50000"/>
+              </a:schemeClr>
+            </a:lnRef>
+            <a:fillRef idx="1">
+              <a:schemeClr val="accent1"/>
+            </a:fillRef>
+            <a:effectRef idx="0">
+              <a:schemeClr val="accent1"/>
+            </a:effectRef>
+            <a:fontRef idx="minor">
+              <a:schemeClr val="lt1"/>
+            </a:fontRef>
+          </p:style>
+          <p:txBody>
+            <a:bodyPr rtlCol="0" anchor="ctr"/>
+            <a:lstStyle/>
+            <a:p>
+              <a:pPr algn="ctr"/>
+              <a:endParaRPr lang="en-US" sz="800">
+                <a:latin typeface="Verdana" panose="020B0604030504040204" pitchFamily="34" charset="0"/>
+                <a:ea typeface="Verdana" panose="020B0604030504040204" pitchFamily="34" charset="0"/>
+                <a:cs typeface="Verdana" panose="020B0604030504040204" pitchFamily="34" charset="0"/>
+              </a:endParaRPr>
+            </a:p>
+          </p:txBody>
+        </p:sp>
+        <p:sp>
+          <p:nvSpPr>
+            <p:cNvPr id="206" name="Pie 205">
+              <a:extLst>
+                <a:ext uri="{FF2B5EF4-FFF2-40B4-BE49-F238E27FC236}">
+                  <a16:creationId xmlns:a16="http://schemas.microsoft.com/office/drawing/2014/main" id="{52B92BEA-8F8F-EC48-9513-97361F004A72}"/>
+                </a:ext>
+              </a:extLst>
+            </p:cNvPr>
+            <p:cNvSpPr/>
+            <p:nvPr/>
+          </p:nvSpPr>
+          <p:spPr>
+            <a:xfrm>
+              <a:off x="5017741" y="1879437"/>
+              <a:ext cx="433635" cy="433635"/>
+            </a:xfrm>
+            <a:prstGeom prst="pie">
+              <a:avLst>
+                <a:gd name="adj1" fmla="val 10764355"/>
+                <a:gd name="adj2" fmla="val 16200000"/>
+              </a:avLst>
+            </a:prstGeom>
+            <a:solidFill>
+              <a:schemeClr val="bg1">
+                <a:lumMod val="85000"/>
+              </a:schemeClr>
+            </a:solidFill>
+            <a:ln>
+              <a:noFill/>
+            </a:ln>
+          </p:spPr>
+          <p:style>
+            <a:lnRef idx="2">
+              <a:schemeClr val="accent1">
+                <a:shade val="50000"/>
+              </a:schemeClr>
+            </a:lnRef>
+            <a:fillRef idx="1">
+              <a:schemeClr val="accent1"/>
+            </a:fillRef>
+            <a:effectRef idx="0">
+              <a:schemeClr val="accent1"/>
+            </a:effectRef>
+            <a:fontRef idx="minor">
+              <a:schemeClr val="lt1"/>
+            </a:fontRef>
+          </p:style>
+          <p:txBody>
+            <a:bodyPr rtlCol="0" anchor="ctr"/>
+            <a:lstStyle/>
+            <a:p>
+              <a:pPr algn="ctr"/>
+              <a:endParaRPr lang="en-US" sz="800">
+                <a:latin typeface="Verdana" panose="020B0604030504040204" pitchFamily="34" charset="0"/>
+                <a:ea typeface="Verdana" panose="020B0604030504040204" pitchFamily="34" charset="0"/>
+                <a:cs typeface="Verdana" panose="020B0604030504040204" pitchFamily="34" charset="0"/>
+              </a:endParaRPr>
+            </a:p>
+          </p:txBody>
+        </p:sp>
+      </p:grpSp>
+      <p:grpSp>
+        <p:nvGrpSpPr>
+          <p:cNvPr id="207" name="Group 206">
+            <a:extLst>
+              <a:ext uri="{FF2B5EF4-FFF2-40B4-BE49-F238E27FC236}">
+                <a16:creationId xmlns:a16="http://schemas.microsoft.com/office/drawing/2014/main" id="{D4DD97D7-415D-6C4C-9D1D-9889BD920958}"/>
+              </a:ext>
+            </a:extLst>
+          </p:cNvPr>
+          <p:cNvGrpSpPr>
+            <a:grpSpLocks noChangeAspect="1"/>
+          </p:cNvGrpSpPr>
+          <p:nvPr/>
+        </p:nvGrpSpPr>
+        <p:grpSpPr>
+          <a:xfrm>
+            <a:off x="1591191" y="5563366"/>
+            <a:ext cx="432002" cy="432000"/>
+            <a:chOff x="5017739" y="1879437"/>
+            <a:chExt cx="433637" cy="433635"/>
+          </a:xfrm>
+        </p:grpSpPr>
+        <p:sp>
+          <p:nvSpPr>
+            <p:cNvPr id="208" name="Pie 207">
+              <a:extLst>
+                <a:ext uri="{FF2B5EF4-FFF2-40B4-BE49-F238E27FC236}">
+                  <a16:creationId xmlns:a16="http://schemas.microsoft.com/office/drawing/2014/main" id="{61A79120-4538-9043-B93C-1CF757357F7D}"/>
+                </a:ext>
+              </a:extLst>
+            </p:cNvPr>
+            <p:cNvSpPr/>
+            <p:nvPr/>
+          </p:nvSpPr>
+          <p:spPr>
+            <a:xfrm rot="5400000">
+              <a:off x="5017741" y="1879437"/>
+              <a:ext cx="433635" cy="433635"/>
+            </a:xfrm>
+            <a:prstGeom prst="pie">
+              <a:avLst>
+                <a:gd name="adj1" fmla="val 10764355"/>
+                <a:gd name="adj2" fmla="val 16200000"/>
+              </a:avLst>
+            </a:prstGeom>
+            <a:solidFill>
+              <a:srgbClr val="3ECC26"/>
+            </a:solidFill>
+            <a:ln>
+              <a:noFill/>
+            </a:ln>
+          </p:spPr>
+          <p:style>
+            <a:lnRef idx="2">
+              <a:schemeClr val="accent1">
+                <a:shade val="50000"/>
+              </a:schemeClr>
+            </a:lnRef>
+            <a:fillRef idx="1">
+              <a:schemeClr val="accent1"/>
+            </a:fillRef>
+            <a:effectRef idx="0">
+              <a:schemeClr val="accent1"/>
+            </a:effectRef>
+            <a:fontRef idx="minor">
+              <a:schemeClr val="lt1"/>
+            </a:fontRef>
+          </p:style>
+          <p:txBody>
+            <a:bodyPr rtlCol="0" anchor="ctr"/>
+            <a:lstStyle/>
+            <a:p>
+              <a:pPr algn="ctr"/>
+              <a:endParaRPr lang="en-US" sz="800">
+                <a:latin typeface="Verdana" panose="020B0604030504040204" pitchFamily="34" charset="0"/>
+                <a:ea typeface="Verdana" panose="020B0604030504040204" pitchFamily="34" charset="0"/>
+                <a:cs typeface="Verdana" panose="020B0604030504040204" pitchFamily="34" charset="0"/>
+              </a:endParaRPr>
+            </a:p>
+          </p:txBody>
+        </p:sp>
+        <p:sp>
+          <p:nvSpPr>
+            <p:cNvPr id="209" name="Pie 208">
+              <a:extLst>
+                <a:ext uri="{FF2B5EF4-FFF2-40B4-BE49-F238E27FC236}">
+                  <a16:creationId xmlns:a16="http://schemas.microsoft.com/office/drawing/2014/main" id="{FD6C6E58-433C-F845-8E6E-6D49035A26CC}"/>
+                </a:ext>
+              </a:extLst>
+            </p:cNvPr>
+            <p:cNvSpPr/>
+            <p:nvPr/>
+          </p:nvSpPr>
+          <p:spPr>
+            <a:xfrm rot="10800000">
+              <a:off x="5017740" y="1879437"/>
+              <a:ext cx="433635" cy="433635"/>
+            </a:xfrm>
+            <a:prstGeom prst="pie">
+              <a:avLst>
+                <a:gd name="adj1" fmla="val 10764355"/>
+                <a:gd name="adj2" fmla="val 16200000"/>
+              </a:avLst>
+            </a:prstGeom>
+            <a:solidFill>
+              <a:srgbClr val="E7AF27"/>
+            </a:solidFill>
+            <a:ln>
+              <a:noFill/>
+            </a:ln>
+          </p:spPr>
+          <p:style>
+            <a:lnRef idx="2">
+              <a:schemeClr val="accent1">
+                <a:shade val="50000"/>
+              </a:schemeClr>
+            </a:lnRef>
+            <a:fillRef idx="1">
+              <a:schemeClr val="accent1"/>
+            </a:fillRef>
+            <a:effectRef idx="0">
+              <a:schemeClr val="accent1"/>
+            </a:effectRef>
+            <a:fontRef idx="minor">
+              <a:schemeClr val="lt1"/>
+            </a:fontRef>
+          </p:style>
+          <p:txBody>
+            <a:bodyPr rtlCol="0" anchor="ctr"/>
+            <a:lstStyle/>
+            <a:p>
+              <a:pPr algn="ctr"/>
+              <a:endParaRPr lang="en-US" sz="800">
+                <a:latin typeface="Verdana" panose="020B0604030504040204" pitchFamily="34" charset="0"/>
+                <a:ea typeface="Verdana" panose="020B0604030504040204" pitchFamily="34" charset="0"/>
+                <a:cs typeface="Verdana" panose="020B0604030504040204" pitchFamily="34" charset="0"/>
+              </a:endParaRPr>
+            </a:p>
+          </p:txBody>
+        </p:sp>
+        <p:sp>
+          <p:nvSpPr>
+            <p:cNvPr id="210" name="Pie 209">
+              <a:extLst>
+                <a:ext uri="{FF2B5EF4-FFF2-40B4-BE49-F238E27FC236}">
+                  <a16:creationId xmlns:a16="http://schemas.microsoft.com/office/drawing/2014/main" id="{46575208-E058-D64F-A21F-6B919F5B6D4C}"/>
+                </a:ext>
+              </a:extLst>
+            </p:cNvPr>
+            <p:cNvSpPr/>
+            <p:nvPr/>
+          </p:nvSpPr>
+          <p:spPr>
+            <a:xfrm rot="16200000">
+              <a:off x="5017739" y="1879437"/>
+              <a:ext cx="433635" cy="433635"/>
+            </a:xfrm>
+            <a:prstGeom prst="pie">
+              <a:avLst>
+                <a:gd name="adj1" fmla="val 10764355"/>
+                <a:gd name="adj2" fmla="val 16200000"/>
+              </a:avLst>
+            </a:prstGeom>
+            <a:solidFill>
+              <a:srgbClr val="CC2629"/>
+            </a:solidFill>
+            <a:ln>
+              <a:noFill/>
+            </a:ln>
+          </p:spPr>
+          <p:style>
+            <a:lnRef idx="2">
+              <a:schemeClr val="accent1">
+                <a:shade val="50000"/>
+              </a:schemeClr>
+            </a:lnRef>
+            <a:fillRef idx="1">
+              <a:schemeClr val="accent1"/>
+            </a:fillRef>
+            <a:effectRef idx="0">
+              <a:schemeClr val="accent1"/>
+            </a:effectRef>
+            <a:fontRef idx="minor">
+              <a:schemeClr val="lt1"/>
+            </a:fontRef>
+          </p:style>
+          <p:txBody>
+            <a:bodyPr rtlCol="0" anchor="ctr"/>
+            <a:lstStyle/>
+            <a:p>
+              <a:pPr algn="ctr"/>
+              <a:endParaRPr lang="en-US" sz="800">
+                <a:latin typeface="Verdana" panose="020B0604030504040204" pitchFamily="34" charset="0"/>
+                <a:ea typeface="Verdana" panose="020B0604030504040204" pitchFamily="34" charset="0"/>
+                <a:cs typeface="Verdana" panose="020B0604030504040204" pitchFamily="34" charset="0"/>
+              </a:endParaRPr>
+            </a:p>
+          </p:txBody>
+        </p:sp>
+        <p:sp>
+          <p:nvSpPr>
+            <p:cNvPr id="211" name="Pie 210">
+              <a:extLst>
+                <a:ext uri="{FF2B5EF4-FFF2-40B4-BE49-F238E27FC236}">
+                  <a16:creationId xmlns:a16="http://schemas.microsoft.com/office/drawing/2014/main" id="{4C576886-ACC7-6743-949A-9A24704BAE04}"/>
+                </a:ext>
+              </a:extLst>
+            </p:cNvPr>
+            <p:cNvSpPr/>
+            <p:nvPr/>
+          </p:nvSpPr>
+          <p:spPr>
+            <a:xfrm>
+              <a:off x="5017741" y="1879437"/>
+              <a:ext cx="433635" cy="433635"/>
+            </a:xfrm>
+            <a:prstGeom prst="pie">
+              <a:avLst>
+                <a:gd name="adj1" fmla="val 10764355"/>
+                <a:gd name="adj2" fmla="val 16200000"/>
+              </a:avLst>
+            </a:prstGeom>
+            <a:solidFill>
+              <a:schemeClr val="bg1">
+                <a:lumMod val="85000"/>
+              </a:schemeClr>
+            </a:solidFill>
+            <a:ln>
+              <a:noFill/>
+            </a:ln>
+          </p:spPr>
+          <p:style>
+            <a:lnRef idx="2">
+              <a:schemeClr val="accent1">
+                <a:shade val="50000"/>
+              </a:schemeClr>
+            </a:lnRef>
+            <a:fillRef idx="1">
+              <a:schemeClr val="accent1"/>
+            </a:fillRef>
+            <a:effectRef idx="0">
+              <a:schemeClr val="accent1"/>
+            </a:effectRef>
+            <a:fontRef idx="minor">
+              <a:schemeClr val="lt1"/>
+            </a:fontRef>
+          </p:style>
+          <p:txBody>
+            <a:bodyPr rtlCol="0" anchor="ctr"/>
+            <a:lstStyle/>
+            <a:p>
+              <a:pPr algn="ctr"/>
+              <a:endParaRPr lang="en-US" sz="800">
+                <a:latin typeface="Verdana" panose="020B0604030504040204" pitchFamily="34" charset="0"/>
+                <a:ea typeface="Verdana" panose="020B0604030504040204" pitchFamily="34" charset="0"/>
+                <a:cs typeface="Verdana" panose="020B0604030504040204" pitchFamily="34" charset="0"/>
+              </a:endParaRPr>
+            </a:p>
+          </p:txBody>
+        </p:sp>
+      </p:grpSp>
     </p:spTree>
     <p:extLst>
       <p:ext uri="{BB962C8B-B14F-4D97-AF65-F5344CB8AC3E}">
         <p14:creationId xmlns:p14="http://schemas.microsoft.com/office/powerpoint/2010/main" val="1474685317"/>
+      </p:ext>
+    </p:extLst>
+  </p:cSld>
+  <p:clrMapOvr>
+    <a:masterClrMapping/>
+  </p:clrMapOvr>
+</p:sld>
+</file>
+
+<file path=ppt/slides/slide2.xml><?xml version="1.0" encoding="utf-8"?>
+<p:sld xmlns:a="http://schemas.openxmlformats.org/drawingml/2006/main" xmlns:r="http://schemas.openxmlformats.org/officeDocument/2006/relationships" xmlns:p="http://schemas.openxmlformats.org/presentationml/2006/main">
+  <p:cSld>
+    <p:spTree>
+      <p:nvGrpSpPr>
+        <p:cNvPr id="1" name=""/>
+        <p:cNvGrpSpPr/>
+        <p:nvPr/>
+      </p:nvGrpSpPr>
+      <p:grpSpPr>
+        <a:xfrm>
+          <a:off x="0" y="0"/>
+          <a:ext cx="0" cy="0"/>
+          <a:chOff x="0" y="0"/>
+          <a:chExt cx="0" cy="0"/>
+        </a:xfrm>
+      </p:grpSpPr>
+      <p:sp>
+        <p:nvSpPr>
+          <p:cNvPr id="2" name="Title 1">
+            <a:extLst>
+              <a:ext uri="{FF2B5EF4-FFF2-40B4-BE49-F238E27FC236}">
+                <a16:creationId xmlns:a16="http://schemas.microsoft.com/office/drawing/2014/main" id="{10089662-1E34-D143-80A3-785D89E2D9CD}"/>
+              </a:ext>
+            </a:extLst>
+          </p:cNvPr>
+          <p:cNvSpPr>
+            <a:spLocks noGrp="1"/>
+          </p:cNvSpPr>
+          <p:nvPr>
+            <p:ph type="title"/>
+          </p:nvPr>
+        </p:nvSpPr>
+        <p:spPr/>
+        <p:txBody>
+          <a:bodyPr/>
+          <a:lstStyle/>
+          <a:p>
+            <a:endParaRPr lang="en-US"/>
+          </a:p>
+        </p:txBody>
+      </p:sp>
+      <p:sp>
+        <p:nvSpPr>
+          <p:cNvPr id="3" name="Content Placeholder 2">
+            <a:extLst>
+              <a:ext uri="{FF2B5EF4-FFF2-40B4-BE49-F238E27FC236}">
+                <a16:creationId xmlns:a16="http://schemas.microsoft.com/office/drawing/2014/main" id="{A2CBA7F9-A990-8C42-8EBC-91037B4E768C}"/>
+              </a:ext>
+            </a:extLst>
+          </p:cNvPr>
+          <p:cNvSpPr>
+            <a:spLocks noGrp="1"/>
+          </p:cNvSpPr>
+          <p:nvPr>
+            <p:ph idx="1"/>
+          </p:nvPr>
+        </p:nvSpPr>
+        <p:spPr/>
+        <p:txBody>
+          <a:bodyPr/>
+          <a:lstStyle/>
+          <a:p>
+            <a:endParaRPr lang="en-US"/>
+          </a:p>
+        </p:txBody>
+      </p:sp>
+    </p:spTree>
+    <p:extLst>
+      <p:ext uri="{BB962C8B-B14F-4D97-AF65-F5344CB8AC3E}">
+        <p14:creationId xmlns:p14="http://schemas.microsoft.com/office/powerpoint/2010/main" val="1057123382"/>
       </p:ext>
     </p:extLst>
   </p:cSld>
